--- a/content/a-sections/a-sec7/A-sec7_Slides.pptx
+++ b/content/a-sections/a-sec7/A-sec7_Slides.pptx
@@ -5,10 +5,10 @@
     <p:sldMasterId id="2147483725" r:id="rId1"/>
   </p:sldMasterIdLst>
   <p:notesMasterIdLst>
-    <p:notesMasterId r:id="rId62"/>
+    <p:notesMasterId r:id="rId60"/>
   </p:notesMasterIdLst>
   <p:handoutMasterIdLst>
-    <p:handoutMasterId r:id="rId63"/>
+    <p:handoutMasterId r:id="rId61"/>
   </p:handoutMasterIdLst>
   <p:sldIdLst>
     <p:sldId id="257" r:id="rId2"/>
@@ -68,9 +68,7 @@
     <p:sldId id="480" r:id="rId56"/>
     <p:sldId id="437" r:id="rId57"/>
     <p:sldId id="443" r:id="rId58"/>
-    <p:sldId id="441" r:id="rId59"/>
-    <p:sldId id="445" r:id="rId60"/>
-    <p:sldId id="442" r:id="rId61"/>
+    <p:sldId id="445" r:id="rId59"/>
   </p:sldIdLst>
   <p:sldSz cx="12192000" cy="6858000"/>
   <p:notesSz cx="6858000" cy="9144000"/>
@@ -337,7 +335,7 @@
           <a:p>
             <a:fld id="{CCED8B00-91FF-428C-8134-3E9D84D7D461}" type="datetimeFigureOut">
               <a:rPr lang="en-US" smtClean="0"/>
-              <a:t>06-Nov-18</a:t>
+              <a:t>08-Nov-18</a:t>
             </a:fld>
             <a:endParaRPr lang="en-US"/>
           </a:p>
@@ -514,7 +512,7 @@
           <a:p>
             <a:fld id="{1E74AD6E-127A-2144-9B3C-5E3BF803E20D}" type="datetimeFigureOut">
               <a:rPr lang="en-US" smtClean="0"/>
-              <a:t>06-Nov-18</a:t>
+              <a:t>08-Nov-18</a:t>
             </a:fld>
             <a:endParaRPr lang="en-US"/>
           </a:p>
@@ -1340,15 +1338,7 @@
           <a:p>
             <a:r>
               <a:rPr lang="en-US" dirty="0"/>
-              <a:t>We don’t prune because of two </a:t>
-            </a:r>
-            <a:r>
-              <a:rPr lang="en-US" dirty="0" err="1"/>
-              <a:t>favtors</a:t>
-            </a:r>
-            <a:r>
-              <a:rPr lang="en-US" dirty="0"/>
-              <a:t>:</a:t>
+              <a:t>We don’t prune because of several factors:</a:t>
             </a:r>
           </a:p>
           <a:p>
@@ -1383,7 +1373,7 @@
             </a:pPr>
             <a:r>
               <a:rPr lang="en-US" dirty="0"/>
-              <a:t>Even if we have some overfit trees, combining the predictions for multiple of them will smooth out the final result and avoid overfitting. This means that we are overfitting the </a:t>
+              <a:t>Even if we have some overfit trees, combining the predictions for multiple of them will smooth out the final result and avoid overfitting. </a:t>
             </a:r>
           </a:p>
         </p:txBody>
@@ -1592,7 +1582,7 @@
           <a:p>
             <a:fld id="{63AEB507-FC84-BF4D-B358-11DDCDC7FC2B}" type="datetime1">
               <a:rPr lang="en-US" smtClean="0"/>
-              <a:t>06-Nov-18</a:t>
+              <a:t>08-Nov-18</a:t>
             </a:fld>
             <a:endParaRPr lang="en-US"/>
           </a:p>
@@ -2034,7 +2024,7 @@
           <a:p>
             <a:fld id="{EAFFD8DE-4F31-844F-B3CF-99A3B8043477}" type="datetime1">
               <a:rPr lang="en-US" smtClean="0"/>
-              <a:t>06-Nov-18</a:t>
+              <a:t>08-Nov-18</a:t>
             </a:fld>
             <a:endParaRPr lang="en-US"/>
           </a:p>
@@ -2214,7 +2204,7 @@
           <a:p>
             <a:fld id="{DF0295E9-3ED6-674B-ACCD-ACF6C1C11880}" type="datetime1">
               <a:rPr lang="en-US" smtClean="0"/>
-              <a:t>06-Nov-18</a:t>
+              <a:t>08-Nov-18</a:t>
             </a:fld>
             <a:endParaRPr lang="en-US"/>
           </a:p>
@@ -2394,7 +2384,7 @@
           <a:p>
             <a:fld id="{C15C4199-40CE-5A42-87E1-00304B60A924}" type="datetime1">
               <a:rPr lang="en-US" smtClean="0"/>
-              <a:t>06-Nov-18</a:t>
+              <a:t>08-Nov-18</a:t>
             </a:fld>
             <a:endParaRPr lang="en-US"/>
           </a:p>
@@ -3318,7 +3308,7 @@
           <a:p>
             <a:fld id="{969AA6F5-6059-4A40-9B2E-8FB0AE5E16B1}" type="datetime1">
               <a:rPr lang="en-US" smtClean="0"/>
-              <a:t>06-Nov-18</a:t>
+              <a:t>08-Nov-18</a:t>
             </a:fld>
             <a:endParaRPr lang="en-US"/>
           </a:p>
@@ -4884,7 +4874,7 @@
           <a:p>
             <a:fld id="{4A71E55E-E805-534B-9A7F-BEE5E4E65F69}" type="datetime1">
               <a:rPr lang="en-US" smtClean="0"/>
-              <a:t>06-Nov-18</a:t>
+              <a:t>08-Nov-18</a:t>
             </a:fld>
             <a:endParaRPr lang="en-US"/>
           </a:p>
@@ -5001,7 +4991,7 @@
           <a:p>
             <a:fld id="{67D59533-EF78-7347-89B8-58E6CADD0DBD}" type="datetime1">
               <a:rPr lang="en-US" smtClean="0"/>
-              <a:t>06-Nov-18</a:t>
+              <a:t>08-Nov-18</a:t>
             </a:fld>
             <a:endParaRPr lang="en-US"/>
           </a:p>
@@ -6281,93 +6271,635 @@
           </a:p>
         </p:txBody>
       </p:sp>
-      <p:sp>
-        <p:nvSpPr>
-          <p:cNvPr id="3" name="Content Placeholder 2">
-            <a:extLst>
-              <a:ext uri="{FF2B5EF4-FFF2-40B4-BE49-F238E27FC236}">
-                <a16:creationId xmlns:a16="http://schemas.microsoft.com/office/drawing/2014/main" id="{347FF61B-79C8-4EEE-8871-ADC5077FD586}"/>
-              </a:ext>
-            </a:extLst>
-          </p:cNvPr>
-          <p:cNvSpPr>
-            <a:spLocks noGrp="1"/>
-          </p:cNvSpPr>
-          <p:nvPr>
-            <p:ph idx="1"/>
-          </p:nvPr>
-        </p:nvSpPr>
-        <p:spPr>
-          <a:xfrm>
-            <a:off x="833415" y="1177758"/>
-            <a:ext cx="10327008" cy="4946595"/>
-          </a:xfrm>
-        </p:spPr>
-        <p:txBody>
-          <a:bodyPr/>
-          <a:lstStyle/>
-          <a:p>
-            <a:pPr algn="ctr"/>
-            <a:r>
-              <a:rPr lang="en-US" dirty="0">
-                <a:solidFill>
-                  <a:srgbClr val="C00000"/>
-                </a:solidFill>
-              </a:rPr>
-              <a:t>Question: how do we build a regression tree?</a:t>
-            </a:r>
-          </a:p>
-          <a:p>
-            <a:endParaRPr lang="en-US" dirty="0"/>
-          </a:p>
-          <a:p>
-            <a:r>
-              <a:rPr lang="en-US" b="1" dirty="0"/>
-              <a:t>Least Squares Criterion (implemented by CART):</a:t>
-            </a:r>
-          </a:p>
-          <a:p>
-            <a:pPr marL="514350" indent="-514350">
-              <a:buFont typeface="+mj-lt"/>
-              <a:buAutoNum type="arabicPeriod"/>
-            </a:pPr>
-            <a:r>
-              <a:rPr lang="en-US" dirty="0"/>
-              <a:t>Fit a linear regression on the subset of current node.</a:t>
-            </a:r>
-          </a:p>
-          <a:p>
-            <a:pPr marL="514350" indent="-514350">
-              <a:buFont typeface="+mj-lt"/>
-              <a:buAutoNum type="arabicPeriod"/>
-            </a:pPr>
-            <a:r>
-              <a:rPr lang="en-US" dirty="0"/>
-              <a:t>For each predictor, split subset at each observation (quantitative) or category (categorical) and calculate the MSE of each split with respect to the fitted regression.</a:t>
-            </a:r>
-          </a:p>
-          <a:p>
-            <a:pPr marL="514350" indent="-514350">
-              <a:buFont typeface="+mj-lt"/>
-              <a:buAutoNum type="arabicPeriod"/>
-            </a:pPr>
-            <a:r>
-              <a:rPr lang="en-US" dirty="0"/>
-              <a:t>Average MSEs, weighted by the number of observations in each split.</a:t>
-            </a:r>
-          </a:p>
-          <a:p>
-            <a:pPr marL="514350" indent="-514350">
-              <a:buFont typeface="+mj-lt"/>
-              <a:buAutoNum type="arabicPeriod"/>
-            </a:pPr>
-            <a:r>
-              <a:rPr lang="en-US" dirty="0"/>
-              <a:t>Choose split with smaller averaged MSE. </a:t>
-            </a:r>
-          </a:p>
-        </p:txBody>
-      </p:sp>
+      <mc:AlternateContent xmlns:mc="http://schemas.openxmlformats.org/markup-compatibility/2006">
+        <mc:Choice xmlns:a14="http://schemas.microsoft.com/office/drawing/2010/main" Requires="a14">
+          <p:sp>
+            <p:nvSpPr>
+              <p:cNvPr id="3" name="Content Placeholder 2">
+                <a:extLst>
+                  <a:ext uri="{FF2B5EF4-FFF2-40B4-BE49-F238E27FC236}">
+                    <a16:creationId xmlns:a16="http://schemas.microsoft.com/office/drawing/2014/main" id="{347FF61B-79C8-4EEE-8871-ADC5077FD586}"/>
+                  </a:ext>
+                </a:extLst>
+              </p:cNvPr>
+              <p:cNvSpPr>
+                <a:spLocks noGrp="1"/>
+              </p:cNvSpPr>
+              <p:nvPr>
+                <p:ph idx="1"/>
+              </p:nvPr>
+            </p:nvSpPr>
+            <p:spPr>
+              <a:xfrm>
+                <a:off x="833415" y="1177758"/>
+                <a:ext cx="10327008" cy="5127349"/>
+              </a:xfrm>
+            </p:spPr>
+            <p:txBody>
+              <a:bodyPr/>
+              <a:lstStyle/>
+              <a:p>
+                <a:pPr algn="ctr"/>
+                <a:r>
+                  <a:rPr lang="en-US" dirty="0">
+                    <a:solidFill>
+                      <a:srgbClr val="C00000"/>
+                    </a:solidFill>
+                  </a:rPr>
+                  <a:t>Question: how do we build a regression tree?</a:t>
+                </a:r>
+              </a:p>
+              <a:p>
+                <a:endParaRPr lang="en-US" sz="1600" dirty="0"/>
+              </a:p>
+              <a:p>
+                <a:r>
+                  <a:rPr lang="en-US" sz="2200" b="1" dirty="0"/>
+                  <a:t>Least Squares Criterion (implemented by CART):</a:t>
+                </a:r>
+              </a:p>
+              <a:p>
+                <a:pPr marL="514350" indent="-514350">
+                  <a:buFont typeface="+mj-lt"/>
+                  <a:buAutoNum type="arabicPeriod"/>
+                </a:pPr>
+                <a:r>
+                  <a:rPr lang="en-US" sz="2200" dirty="0"/>
+                  <a:t>For each predictor, split subset at each observation (quantitative) or category (categorical) and calculate the variance of each split.</a:t>
+                </a:r>
+              </a:p>
+              <a:p>
+                <a:pPr marL="514350" indent="-514350">
+                  <a:buFont typeface="+mj-lt"/>
+                  <a:buAutoNum type="arabicPeriod"/>
+                </a:pPr>
+                <a:r>
+                  <a:rPr lang="en-US" sz="2200" dirty="0"/>
+                  <a:t>Average variances, weighted by the number of observations in each split. This corresponds to calculating an impurity measure:</a:t>
+                </a:r>
+              </a:p>
+              <a:p>
+                <a:pPr lvl="1" indent="0">
+                  <a:buNone/>
+                </a:pPr>
+                <a14:m>
+                  <m:oMathPara xmlns:m="http://schemas.openxmlformats.org/officeDocument/2006/math">
+                    <m:oMathParaPr>
+                      <m:jc m:val="centerGroup"/>
+                    </m:oMathParaPr>
+                    <m:oMath xmlns:m="http://schemas.openxmlformats.org/officeDocument/2006/math">
+                      <m:r>
+                        <a:rPr lang="en-US" sz="2200" b="0" i="1" smtClean="0">
+                          <a:latin typeface="Cambria Math" panose="02040503050406030204" pitchFamily="18" charset="0"/>
+                        </a:rPr>
+                        <m:t>𝑄</m:t>
+                      </m:r>
+                      <m:d>
+                        <m:dPr>
+                          <m:ctrlPr>
+                            <a:rPr lang="en-US" sz="2200" b="0" i="1" smtClean="0">
+                              <a:latin typeface="Cambria Math" panose="02040503050406030204" pitchFamily="18" charset="0"/>
+                            </a:rPr>
+                          </m:ctrlPr>
+                        </m:dPr>
+                        <m:e>
+                          <m:r>
+                            <a:rPr lang="en-US" sz="2200" b="0" i="1" smtClean="0">
+                              <a:latin typeface="Cambria Math" panose="02040503050406030204" pitchFamily="18" charset="0"/>
+                            </a:rPr>
+                            <m:t>𝑠𝑝𝑙𝑖𝑡</m:t>
+                          </m:r>
+                        </m:e>
+                      </m:d>
+                      <m:r>
+                        <a:rPr lang="en-US" sz="2200" b="0" i="1" smtClean="0">
+                          <a:latin typeface="Cambria Math" panose="02040503050406030204" pitchFamily="18" charset="0"/>
+                        </a:rPr>
+                        <m:t>=</m:t>
+                      </m:r>
+                      <m:nary>
+                        <m:naryPr>
+                          <m:chr m:val="∑"/>
+                          <m:ctrlPr>
+                            <a:rPr lang="en-US" sz="2200" b="0" i="1" smtClean="0">
+                              <a:latin typeface="Cambria Math" panose="02040503050406030204" pitchFamily="18" charset="0"/>
+                            </a:rPr>
+                          </m:ctrlPr>
+                        </m:naryPr>
+                        <m:sub>
+                          <m:r>
+                            <a:rPr lang="en-US" sz="2200" b="0" i="1" smtClean="0">
+                              <a:latin typeface="Cambria Math" panose="02040503050406030204" pitchFamily="18" charset="0"/>
+                            </a:rPr>
+                            <m:t>𝑚</m:t>
+                          </m:r>
+                          <m:r>
+                            <a:rPr lang="en-US" sz="2200" b="0" i="1" smtClean="0">
+                              <a:latin typeface="Cambria Math" panose="02040503050406030204" pitchFamily="18" charset="0"/>
+                            </a:rPr>
+                            <m:t>=1</m:t>
+                          </m:r>
+                        </m:sub>
+                        <m:sup>
+                          <m:r>
+                            <a:rPr lang="en-US" sz="2200" b="0" i="1" smtClean="0">
+                              <a:latin typeface="Cambria Math" panose="02040503050406030204" pitchFamily="18" charset="0"/>
+                            </a:rPr>
+                            <m:t>𝑀</m:t>
+                          </m:r>
+                        </m:sup>
+                        <m:e>
+                          <m:f>
+                            <m:fPr>
+                              <m:ctrlPr>
+                                <a:rPr lang="en-US" sz="2200" i="1">
+                                  <a:latin typeface="Cambria Math" panose="02040503050406030204" pitchFamily="18" charset="0"/>
+                                </a:rPr>
+                              </m:ctrlPr>
+                            </m:fPr>
+                            <m:num>
+                              <m:d>
+                                <m:dPr>
+                                  <m:begChr m:val="|"/>
+                                  <m:endChr m:val="|"/>
+                                  <m:ctrlPr>
+                                    <a:rPr lang="en-US" sz="2200" i="1">
+                                      <a:latin typeface="Cambria Math" panose="02040503050406030204" pitchFamily="18" charset="0"/>
+                                    </a:rPr>
+                                  </m:ctrlPr>
+                                </m:dPr>
+                                <m:e>
+                                  <m:sSub>
+                                    <m:sSubPr>
+                                      <m:ctrlPr>
+                                        <a:rPr lang="en-US" sz="2200" i="1">
+                                          <a:latin typeface="Cambria Math" panose="02040503050406030204" pitchFamily="18" charset="0"/>
+                                        </a:rPr>
+                                      </m:ctrlPr>
+                                    </m:sSubPr>
+                                    <m:e>
+                                      <m:r>
+                                        <a:rPr lang="en-US" sz="2200" i="1">
+                                          <a:latin typeface="Cambria Math" panose="02040503050406030204" pitchFamily="18" charset="0"/>
+                                        </a:rPr>
+                                        <m:t>𝑅</m:t>
+                                      </m:r>
+                                    </m:e>
+                                    <m:sub>
+                                      <m:r>
+                                        <a:rPr lang="en-US" sz="2200" i="1">
+                                          <a:latin typeface="Cambria Math" panose="02040503050406030204" pitchFamily="18" charset="0"/>
+                                        </a:rPr>
+                                        <m:t>𝑚</m:t>
+                                      </m:r>
+                                    </m:sub>
+                                  </m:sSub>
+                                </m:e>
+                              </m:d>
+                            </m:num>
+                            <m:den>
+                              <m:r>
+                                <a:rPr lang="en-US" sz="2200" i="1">
+                                  <a:latin typeface="Cambria Math" panose="02040503050406030204" pitchFamily="18" charset="0"/>
+                                </a:rPr>
+                                <m:t>𝑁</m:t>
+                              </m:r>
+                            </m:den>
+                          </m:f>
+                          <m:nary>
+                            <m:naryPr>
+                              <m:chr m:val="∑"/>
+                              <m:supHide m:val="on"/>
+                              <m:ctrlPr>
+                                <a:rPr lang="en-US" sz="2200" i="1">
+                                  <a:latin typeface="Cambria Math" panose="02040503050406030204" pitchFamily="18" charset="0"/>
+                                </a:rPr>
+                              </m:ctrlPr>
+                            </m:naryPr>
+                            <m:sub>
+                              <m:sSub>
+                                <m:sSubPr>
+                                  <m:ctrlPr>
+                                    <a:rPr lang="en-US" sz="2200" i="1">
+                                      <a:latin typeface="Cambria Math" panose="02040503050406030204" pitchFamily="18" charset="0"/>
+                                    </a:rPr>
+                                  </m:ctrlPr>
+                                </m:sSubPr>
+                                <m:e>
+                                  <m:r>
+                                    <a:rPr lang="en-US" sz="2200" i="1">
+                                      <a:latin typeface="Cambria Math" panose="02040503050406030204" pitchFamily="18" charset="0"/>
+                                    </a:rPr>
+                                    <m:t>𝑦</m:t>
+                                  </m:r>
+                                </m:e>
+                                <m:sub>
+                                  <m:r>
+                                    <a:rPr lang="en-US" sz="2200" i="1">
+                                      <a:latin typeface="Cambria Math" panose="02040503050406030204" pitchFamily="18" charset="0"/>
+                                    </a:rPr>
+                                    <m:t>𝑖</m:t>
+                                  </m:r>
+                                </m:sub>
+                              </m:sSub>
+                              <m:r>
+                                <a:rPr lang="en-US" sz="2200" i="1">
+                                  <a:latin typeface="Cambria Math" panose="02040503050406030204" pitchFamily="18" charset="0"/>
+                                </a:rPr>
+                                <m:t>∈</m:t>
+                              </m:r>
+                              <m:sSub>
+                                <m:sSubPr>
+                                  <m:ctrlPr>
+                                    <a:rPr lang="en-US" sz="2200" i="1">
+                                      <a:latin typeface="Cambria Math" panose="02040503050406030204" pitchFamily="18" charset="0"/>
+                                    </a:rPr>
+                                  </m:ctrlPr>
+                                </m:sSubPr>
+                                <m:e>
+                                  <m:r>
+                                    <a:rPr lang="en-US" sz="2200" i="1">
+                                      <a:latin typeface="Cambria Math" panose="02040503050406030204" pitchFamily="18" charset="0"/>
+                                    </a:rPr>
+                                    <m:t>𝑅</m:t>
+                                  </m:r>
+                                </m:e>
+                                <m:sub>
+                                  <m:r>
+                                    <a:rPr lang="en-US" sz="2200" i="1">
+                                      <a:latin typeface="Cambria Math" panose="02040503050406030204" pitchFamily="18" charset="0"/>
+                                    </a:rPr>
+                                    <m:t>𝑚</m:t>
+                                  </m:r>
+                                </m:sub>
+                              </m:sSub>
+                            </m:sub>
+                            <m:sup/>
+                            <m:e>
+                              <m:sSup>
+                                <m:sSupPr>
+                                  <m:ctrlPr>
+                                    <a:rPr lang="en-US" sz="2200" i="1">
+                                      <a:latin typeface="Cambria Math" panose="02040503050406030204" pitchFamily="18" charset="0"/>
+                                    </a:rPr>
+                                  </m:ctrlPr>
+                                </m:sSupPr>
+                                <m:e>
+                                  <m:d>
+                                    <m:dPr>
+                                      <m:ctrlPr>
+                                        <a:rPr lang="en-US" sz="2200" i="1">
+                                          <a:latin typeface="Cambria Math" panose="02040503050406030204" pitchFamily="18" charset="0"/>
+                                        </a:rPr>
+                                      </m:ctrlPr>
+                                    </m:dPr>
+                                    <m:e>
+                                      <m:sSub>
+                                        <m:sSubPr>
+                                          <m:ctrlPr>
+                                            <a:rPr lang="en-US" sz="2200" i="1">
+                                              <a:latin typeface="Cambria Math" panose="02040503050406030204" pitchFamily="18" charset="0"/>
+                                            </a:rPr>
+                                          </m:ctrlPr>
+                                        </m:sSubPr>
+                                        <m:e>
+                                          <m:r>
+                                            <a:rPr lang="en-US" sz="2200" i="1">
+                                              <a:latin typeface="Cambria Math" panose="02040503050406030204" pitchFamily="18" charset="0"/>
+                                            </a:rPr>
+                                            <m:t>𝑦</m:t>
+                                          </m:r>
+                                        </m:e>
+                                        <m:sub>
+                                          <m:r>
+                                            <a:rPr lang="en-US" sz="2200" i="1">
+                                              <a:latin typeface="Cambria Math" panose="02040503050406030204" pitchFamily="18" charset="0"/>
+                                            </a:rPr>
+                                            <m:t>𝑖</m:t>
+                                          </m:r>
+                                        </m:sub>
+                                      </m:sSub>
+                                      <m:r>
+                                        <a:rPr lang="en-US" sz="2200" i="1">
+                                          <a:latin typeface="Cambria Math" panose="02040503050406030204" pitchFamily="18" charset="0"/>
+                                        </a:rPr>
+                                        <m:t>−</m:t>
+                                      </m:r>
+                                      <m:sSub>
+                                        <m:sSubPr>
+                                          <m:ctrlPr>
+                                            <a:rPr lang="en-US" sz="2200" i="1">
+                                              <a:latin typeface="Cambria Math" panose="02040503050406030204" pitchFamily="18" charset="0"/>
+                                            </a:rPr>
+                                          </m:ctrlPr>
+                                        </m:sSubPr>
+                                        <m:e>
+                                          <m:acc>
+                                            <m:accPr>
+                                              <m:chr m:val="̅"/>
+                                              <m:ctrlPr>
+                                                <a:rPr lang="en-US" sz="2200" i="1">
+                                                  <a:latin typeface="Cambria Math" panose="02040503050406030204" pitchFamily="18" charset="0"/>
+                                                </a:rPr>
+                                              </m:ctrlPr>
+                                            </m:accPr>
+                                            <m:e>
+                                              <m:r>
+                                                <a:rPr lang="en-US" sz="2200" i="1">
+                                                  <a:latin typeface="Cambria Math" panose="02040503050406030204" pitchFamily="18" charset="0"/>
+                                                </a:rPr>
+                                                <m:t>𝑐</m:t>
+                                              </m:r>
+                                            </m:e>
+                                          </m:acc>
+                                        </m:e>
+                                        <m:sub>
+                                          <m:r>
+                                            <a:rPr lang="en-US" sz="2200" i="1">
+                                              <a:latin typeface="Cambria Math" panose="02040503050406030204" pitchFamily="18" charset="0"/>
+                                            </a:rPr>
+                                            <m:t>𝑚</m:t>
+                                          </m:r>
+                                        </m:sub>
+                                      </m:sSub>
+                                    </m:e>
+                                  </m:d>
+                                </m:e>
+                                <m:sup>
+                                  <m:r>
+                                    <a:rPr lang="en-US" sz="2200" i="1">
+                                      <a:latin typeface="Cambria Math" panose="02040503050406030204" pitchFamily="18" charset="0"/>
+                                    </a:rPr>
+                                    <m:t>2</m:t>
+                                  </m:r>
+                                </m:sup>
+                              </m:sSup>
+                            </m:e>
+                          </m:nary>
+                        </m:e>
+                      </m:nary>
+                    </m:oMath>
+                  </m:oMathPara>
+                </a14:m>
+                <a:endParaRPr lang="en-US" sz="2200" dirty="0"/>
+              </a:p>
+              <a:p>
+                <a:pPr lvl="1" indent="0">
+                  <a:buNone/>
+                </a:pPr>
+                <a:r>
+                  <a:rPr lang="en-US" sz="2200" dirty="0">
+                    <a:solidFill>
+                      <a:schemeClr val="tx1"/>
+                    </a:solidFill>
+                  </a:rPr>
+                  <a:t>Where N is the number of elements in the node before splitting, M is the number of regions after the split, </a:t>
+                </a:r>
+                <a14:m>
+                  <m:oMath xmlns:m="http://schemas.openxmlformats.org/officeDocument/2006/math">
+                    <m:r>
+                      <a:rPr lang="en-US" sz="2200" b="0" i="1" smtClean="0">
+                        <a:solidFill>
+                          <a:schemeClr val="tx1"/>
+                        </a:solidFill>
+                        <a:latin typeface="Cambria Math" panose="02040503050406030204" pitchFamily="18" charset="0"/>
+                      </a:rPr>
+                      <m:t>|</m:t>
+                    </m:r>
+                    <m:sSub>
+                      <m:sSubPr>
+                        <m:ctrlPr>
+                          <a:rPr lang="en-US" sz="2200" b="0" i="1" smtClean="0">
+                            <a:solidFill>
+                              <a:schemeClr val="tx1"/>
+                            </a:solidFill>
+                            <a:latin typeface="Cambria Math" panose="02040503050406030204" pitchFamily="18" charset="0"/>
+                          </a:rPr>
+                        </m:ctrlPr>
+                      </m:sSubPr>
+                      <m:e>
+                        <m:r>
+                          <a:rPr lang="en-US" sz="2200" b="0" i="1" smtClean="0">
+                            <a:solidFill>
+                              <a:schemeClr val="tx1"/>
+                            </a:solidFill>
+                            <a:latin typeface="Cambria Math" panose="02040503050406030204" pitchFamily="18" charset="0"/>
+                          </a:rPr>
+                          <m:t>𝑅</m:t>
+                        </m:r>
+                      </m:e>
+                      <m:sub>
+                        <m:r>
+                          <a:rPr lang="en-US" sz="2200" b="0" i="1" smtClean="0">
+                            <a:solidFill>
+                              <a:schemeClr val="tx1"/>
+                            </a:solidFill>
+                            <a:latin typeface="Cambria Math" panose="02040503050406030204" pitchFamily="18" charset="0"/>
+                          </a:rPr>
+                          <m:t>𝑚</m:t>
+                        </m:r>
+                      </m:sub>
+                    </m:sSub>
+                    <m:r>
+                      <a:rPr lang="en-US" sz="2200" b="0" i="1" smtClean="0">
+                        <a:solidFill>
+                          <a:schemeClr val="tx1"/>
+                        </a:solidFill>
+                        <a:latin typeface="Cambria Math" panose="02040503050406030204" pitchFamily="18" charset="0"/>
+                      </a:rPr>
+                      <m:t>|</m:t>
+                    </m:r>
+                  </m:oMath>
+                </a14:m>
+                <a:r>
+                  <a:rPr lang="en-US" sz="2200" dirty="0">
+                    <a:solidFill>
+                      <a:schemeClr val="tx1"/>
+                    </a:solidFill>
+                  </a:rPr>
+                  <a:t> is the number of elements in </a:t>
+                </a:r>
+                <a:r>
+                  <a:rPr lang="en-US" sz="2200" dirty="0" err="1">
+                    <a:solidFill>
+                      <a:schemeClr val="tx1"/>
+                    </a:solidFill>
+                  </a:rPr>
+                  <a:t>splitted</a:t>
+                </a:r>
+                <a:r>
+                  <a:rPr lang="en-US" sz="2200" dirty="0">
+                    <a:solidFill>
+                      <a:schemeClr val="tx1"/>
+                    </a:solidFill>
+                  </a:rPr>
+                  <a:t> region m, and </a:t>
+                </a:r>
+                <a14:m>
+                  <m:oMath xmlns:m="http://schemas.openxmlformats.org/officeDocument/2006/math">
+                    <m:sSub>
+                      <m:sSubPr>
+                        <m:ctrlPr>
+                          <a:rPr lang="en-US" sz="2200" b="0" i="1" dirty="0" smtClean="0">
+                            <a:solidFill>
+                              <a:schemeClr val="tx1"/>
+                            </a:solidFill>
+                            <a:latin typeface="Cambria Math" panose="02040503050406030204" pitchFamily="18" charset="0"/>
+                          </a:rPr>
+                        </m:ctrlPr>
+                      </m:sSubPr>
+                      <m:e>
+                        <m:acc>
+                          <m:accPr>
+                            <m:chr m:val="̅"/>
+                            <m:ctrlPr>
+                              <a:rPr lang="en-US" sz="2200" b="0" i="1" smtClean="0">
+                                <a:solidFill>
+                                  <a:schemeClr val="tx1"/>
+                                </a:solidFill>
+                                <a:latin typeface="Cambria Math" panose="02040503050406030204" pitchFamily="18" charset="0"/>
+                              </a:rPr>
+                            </m:ctrlPr>
+                          </m:accPr>
+                          <m:e>
+                            <m:r>
+                              <a:rPr lang="en-US" sz="2200" b="0" i="1" smtClean="0">
+                                <a:solidFill>
+                                  <a:schemeClr val="tx1"/>
+                                </a:solidFill>
+                                <a:latin typeface="Cambria Math" panose="02040503050406030204" pitchFamily="18" charset="0"/>
+                              </a:rPr>
+                              <m:t>𝑐</m:t>
+                            </m:r>
+                          </m:e>
+                        </m:acc>
+                      </m:e>
+                      <m:sub>
+                        <m:r>
+                          <a:rPr lang="en-US" sz="2200" b="0" i="1" dirty="0" smtClean="0">
+                            <a:solidFill>
+                              <a:schemeClr val="tx1"/>
+                            </a:solidFill>
+                            <a:latin typeface="Cambria Math" panose="02040503050406030204" pitchFamily="18" charset="0"/>
+                          </a:rPr>
+                          <m:t>𝑚</m:t>
+                        </m:r>
+                      </m:sub>
+                    </m:sSub>
+                  </m:oMath>
+                </a14:m>
+                <a:r>
+                  <a:rPr lang="en-US" sz="2200" dirty="0">
+                    <a:solidFill>
+                      <a:schemeClr val="tx1"/>
+                    </a:solidFill>
+                  </a:rPr>
+                  <a:t> is the average response in region </a:t>
+                </a:r>
+                <a14:m>
+                  <m:oMath xmlns:m="http://schemas.openxmlformats.org/officeDocument/2006/math">
+                    <m:sSub>
+                      <m:sSubPr>
+                        <m:ctrlPr>
+                          <a:rPr lang="en-US" sz="2200" b="0" i="1" smtClean="0">
+                            <a:solidFill>
+                              <a:schemeClr val="tx1"/>
+                            </a:solidFill>
+                            <a:latin typeface="Cambria Math" panose="02040503050406030204" pitchFamily="18" charset="0"/>
+                          </a:rPr>
+                        </m:ctrlPr>
+                      </m:sSubPr>
+                      <m:e>
+                        <m:r>
+                          <a:rPr lang="en-US" sz="2200" b="0" i="1" smtClean="0">
+                            <a:solidFill>
+                              <a:schemeClr val="tx1"/>
+                            </a:solidFill>
+                            <a:latin typeface="Cambria Math" panose="02040503050406030204" pitchFamily="18" charset="0"/>
+                          </a:rPr>
+                          <m:t>𝑅</m:t>
+                        </m:r>
+                      </m:e>
+                      <m:sub>
+                        <m:r>
+                          <a:rPr lang="en-US" sz="2200" b="0" i="1" smtClean="0">
+                            <a:solidFill>
+                              <a:schemeClr val="tx1"/>
+                            </a:solidFill>
+                            <a:latin typeface="Cambria Math" panose="02040503050406030204" pitchFamily="18" charset="0"/>
+                          </a:rPr>
+                          <m:t>𝑚</m:t>
+                        </m:r>
+                      </m:sub>
+                    </m:sSub>
+                  </m:oMath>
+                </a14:m>
+                <a:r>
+                  <a:rPr lang="en-US" sz="2200" dirty="0">
+                    <a:solidFill>
+                      <a:schemeClr val="tx1"/>
+                    </a:solidFill>
+                  </a:rPr>
+                  <a:t>.</a:t>
+                </a:r>
+              </a:p>
+              <a:p>
+                <a:pPr marL="514350" indent="-514350">
+                  <a:buFont typeface="+mj-lt"/>
+                  <a:buAutoNum type="arabicPeriod"/>
+                </a:pPr>
+                <a:r>
+                  <a:rPr lang="en-US" sz="2200" dirty="0"/>
+                  <a:t>Choose split with smaller impurity.</a:t>
+                </a:r>
+              </a:p>
+            </p:txBody>
+          </p:sp>
+        </mc:Choice>
+        <mc:Fallback>
+          <p:sp>
+            <p:nvSpPr>
+              <p:cNvPr id="3" name="Content Placeholder 2">
+                <a:extLst>
+                  <a:ext uri="{FF2B5EF4-FFF2-40B4-BE49-F238E27FC236}">
+                    <a16:creationId xmlns:a16="http://schemas.microsoft.com/office/drawing/2014/main" id="{347FF61B-79C8-4EEE-8871-ADC5077FD586}"/>
+                  </a:ext>
+                </a:extLst>
+              </p:cNvPr>
+              <p:cNvSpPr>
+                <a:spLocks noGrp="1" noRot="1" noChangeAspect="1" noMove="1" noResize="1" noEditPoints="1" noAdjustHandles="1" noChangeArrowheads="1" noChangeShapeType="1" noTextEdit="1"/>
+              </p:cNvSpPr>
+              <p:nvPr>
+                <p:ph idx="1"/>
+              </p:nvPr>
+            </p:nvSpPr>
+            <p:spPr>
+              <a:xfrm>
+                <a:off x="833415" y="1177758"/>
+                <a:ext cx="10327008" cy="5127349"/>
+              </a:xfrm>
+              <a:blipFill>
+                <a:blip r:embed="rId2"/>
+                <a:stretch>
+                  <a:fillRect l="-826" t="-1070" r="-236" b="-2973"/>
+                </a:stretch>
+              </a:blipFill>
+            </p:spPr>
+            <p:txBody>
+              <a:bodyPr/>
+              <a:lstStyle/>
+              <a:p>
+                <a:r>
+                  <a:rPr lang="en-US">
+                    <a:noFill/>
+                  </a:rPr>
+                  <a:t> </a:t>
+                </a:r>
+              </a:p>
+            </p:txBody>
+          </p:sp>
+        </mc:Fallback>
+      </mc:AlternateContent>
       <p:sp>
         <p:nvSpPr>
           <p:cNvPr id="4" name="Slide Number Placeholder 3">
@@ -6697,14 +7229,10 @@
             </a:r>
             <a:r>
               <a:rPr lang="en-US" dirty="0"/>
-              <a:t> measure used to select surrogate splits. Varies between zero and one, one meaning that the new split is a perfect clone.</a:t>
-            </a:r>
-          </a:p>
-          <a:p>
-            <a:pPr marL="457200" indent="-457200">
-              <a:buFont typeface="Arial" panose="020B0604020202020204" pitchFamily="34" charset="0"/>
-              <a:buChar char="•"/>
-            </a:pPr>
+              <a:t> measure used to select surrogate splits. Depends on the probabilities of sending cases to a particular node + how the new split is separating observations of each class.</a:t>
+            </a:r>
+          </a:p>
+          <a:p>
             <a:endParaRPr lang="en-US" dirty="0"/>
           </a:p>
         </p:txBody>
@@ -8502,8 +9030,8 @@
           </a:p>
         </p:txBody>
       </p:sp>
-      <mc:AlternateContent xmlns:mc="http://schemas.openxmlformats.org/markup-compatibility/2006">
-        <mc:Choice xmlns:a14="http://schemas.microsoft.com/office/drawing/2010/main" Requires="a14">
+      <mc:AlternateContent xmlns:mc="http://schemas.openxmlformats.org/markup-compatibility/2006" xmlns:a14="http://schemas.microsoft.com/office/drawing/2010/main">
+        <mc:Choice Requires="a14">
           <p:sp>
             <p:nvSpPr>
               <p:cNvPr id="3" name="Content Placeholder 2">
@@ -8809,7 +9337,7 @@
             </p:txBody>
           </p:sp>
         </mc:Choice>
-        <mc:Fallback>
+        <mc:Fallback xmlns="">
           <p:sp>
             <p:nvSpPr>
               <p:cNvPr id="3" name="Content Placeholder 2">
@@ -8940,8 +9468,8 @@
           </a:p>
         </p:txBody>
       </p:sp>
-      <mc:AlternateContent xmlns:mc="http://schemas.openxmlformats.org/markup-compatibility/2006">
-        <mc:Choice xmlns:a14="http://schemas.microsoft.com/office/drawing/2010/main" Requires="a14">
+      <mc:AlternateContent xmlns:mc="http://schemas.openxmlformats.org/markup-compatibility/2006" xmlns:a14="http://schemas.microsoft.com/office/drawing/2010/main">
+        <mc:Choice Requires="a14">
           <p:sp>
             <p:nvSpPr>
               <p:cNvPr id="3" name="Content Placeholder 2">
@@ -9061,6 +9589,7 @@
                 <a:endParaRPr lang="en-US" dirty="0"/>
               </a:p>
               <a:p>
+                <a:pPr/>
                 <a14:m>
                   <m:oMathPara xmlns:m="http://schemas.openxmlformats.org/officeDocument/2006/math">
                     <m:oMathParaPr>
@@ -9186,7 +9715,7 @@
             </p:txBody>
           </p:sp>
         </mc:Choice>
-        <mc:Fallback>
+        <mc:Fallback xmlns="">
           <p:sp>
             <p:nvSpPr>
               <p:cNvPr id="3" name="Content Placeholder 2">
@@ -9343,8 +9872,8 @@
           </a:p>
         </p:txBody>
       </p:sp>
-      <mc:AlternateContent xmlns:mc="http://schemas.openxmlformats.org/markup-compatibility/2006">
-        <mc:Choice xmlns:a14="http://schemas.microsoft.com/office/drawing/2010/main" Requires="a14">
+      <mc:AlternateContent xmlns:mc="http://schemas.openxmlformats.org/markup-compatibility/2006" xmlns:a14="http://schemas.microsoft.com/office/drawing/2010/main">
+        <mc:Choice Requires="a14">
           <p:sp>
             <p:nvSpPr>
               <p:cNvPr id="7" name="Content Placeholder 2">
@@ -10140,7 +10669,7 @@
             </p:txBody>
           </p:sp>
         </mc:Choice>
-        <mc:Fallback>
+        <mc:Fallback xmlns="">
           <p:sp>
             <p:nvSpPr>
               <p:cNvPr id="7" name="Content Placeholder 2">
@@ -10711,8 +11240,8 @@
           </a:p>
         </p:txBody>
       </p:sp>
-      <mc:AlternateContent xmlns:mc="http://schemas.openxmlformats.org/markup-compatibility/2006">
-        <mc:Choice xmlns:a14="http://schemas.microsoft.com/office/drawing/2010/main" Requires="a14">
+      <mc:AlternateContent xmlns:mc="http://schemas.openxmlformats.org/markup-compatibility/2006" xmlns:a14="http://schemas.microsoft.com/office/drawing/2010/main">
+        <mc:Choice Requires="a14">
           <p:sp>
             <p:nvSpPr>
               <p:cNvPr id="3" name="Content Placeholder 2">
@@ -11287,7 +11816,7 @@
             </p:txBody>
           </p:sp>
         </mc:Choice>
-        <mc:Fallback>
+        <mc:Fallback xmlns="">
           <p:sp>
             <p:nvSpPr>
               <p:cNvPr id="3" name="Content Placeholder 2">
@@ -11646,10 +12175,19 @@
               <a:p>
                 <a:r>
                   <a:rPr lang="en-US" dirty="0"/>
-                  <a:t>Answer: both work. Typically, with replacement is used.  See “Observations on Bagging”, 2006*, proves that identical results are obtained if:</a:t>
+                  <a:t>Answer: both work. Typically, with replacement is used.  See “Observations on Bagging”, </a:t>
+                </a:r>
+                <a:r>
+                  <a:rPr lang="en-US" dirty="0" err="1"/>
+                  <a:t>Buja</a:t>
+                </a:r>
+                <a:r>
+                  <a:rPr lang="en-US" dirty="0"/>
+                  <a:t> et al., 2006* - proves that identical results are obtained if:</a:t>
                 </a:r>
               </a:p>
               <a:p>
+                <a:pPr/>
                 <a14:m>
                   <m:oMathPara xmlns:m="http://schemas.openxmlformats.org/officeDocument/2006/math">
                     <m:oMathParaPr>
@@ -13239,8 +13777,8 @@
           <a:chExt cx="0" cy="0"/>
         </a:xfrm>
       </p:grpSpPr>
-      <mc:AlternateContent xmlns:mc="http://schemas.openxmlformats.org/markup-compatibility/2006">
-        <mc:Choice xmlns:a14="http://schemas.microsoft.com/office/drawing/2010/main" Requires="a14">
+      <mc:AlternateContent xmlns:mc="http://schemas.openxmlformats.org/markup-compatibility/2006" xmlns:a14="http://schemas.microsoft.com/office/drawing/2010/main">
+        <mc:Choice Requires="a14">
           <p:sp>
             <p:nvSpPr>
               <p:cNvPr id="3" name="Content Placeholder 2">
@@ -13348,6 +13886,7 @@
                 </a:r>
               </a:p>
               <a:p>
+                <a:pPr/>
                 <a14:m>
                   <m:oMathPara xmlns:m="http://schemas.openxmlformats.org/officeDocument/2006/math">
                     <m:oMathParaPr>
@@ -13963,7 +14502,7 @@
             </p:txBody>
           </p:sp>
         </mc:Choice>
-        <mc:Fallback>
+        <mc:Fallback xmlns="">
           <p:sp>
             <p:nvSpPr>
               <p:cNvPr id="3" name="Content Placeholder 2">
@@ -14069,8 +14608,8 @@
           </a:p>
         </p:txBody>
       </p:sp>
-      <mc:AlternateContent xmlns:mc="http://schemas.openxmlformats.org/markup-compatibility/2006">
-        <mc:Choice xmlns:a14="http://schemas.microsoft.com/office/drawing/2010/main" Requires="a14">
+      <mc:AlternateContent xmlns:mc="http://schemas.openxmlformats.org/markup-compatibility/2006" xmlns:a14="http://schemas.microsoft.com/office/drawing/2010/main">
+        <mc:Choice Requires="a14">
           <p:sp>
             <p:nvSpPr>
               <p:cNvPr id="6" name="Content Placeholder 2">
@@ -14501,7 +15040,7 @@
             </p:txBody>
           </p:sp>
         </mc:Choice>
-        <mc:Fallback>
+        <mc:Fallback xmlns="">
           <p:sp>
             <p:nvSpPr>
               <p:cNvPr id="6" name="Content Placeholder 2">
@@ -14641,8 +15180,8 @@
           </a:p>
         </p:txBody>
       </p:sp>
-      <mc:AlternateContent xmlns:mc="http://schemas.openxmlformats.org/markup-compatibility/2006">
-        <mc:Choice xmlns:a14="http://schemas.microsoft.com/office/drawing/2010/main" Requires="a14">
+      <mc:AlternateContent xmlns:mc="http://schemas.openxmlformats.org/markup-compatibility/2006" xmlns:a14="http://schemas.microsoft.com/office/drawing/2010/main">
+        <mc:Choice Requires="a14">
           <p:sp>
             <p:nvSpPr>
               <p:cNvPr id="6" name="Content Placeholder 2">
@@ -15073,7 +15612,7 @@
             </p:txBody>
           </p:sp>
         </mc:Choice>
-        <mc:Fallback>
+        <mc:Fallback xmlns="">
           <p:sp>
             <p:nvSpPr>
               <p:cNvPr id="6" name="Content Placeholder 2">
@@ -15176,8 +15715,8 @@
           </a:p>
         </p:txBody>
       </p:sp>
-      <mc:AlternateContent xmlns:mc="http://schemas.openxmlformats.org/markup-compatibility/2006">
-        <mc:Choice xmlns:a14="http://schemas.microsoft.com/office/drawing/2010/main" Requires="a14">
+      <mc:AlternateContent xmlns:mc="http://schemas.openxmlformats.org/markup-compatibility/2006" xmlns:a14="http://schemas.microsoft.com/office/drawing/2010/main">
+        <mc:Choice Requires="a14">
           <p:sp>
             <p:nvSpPr>
               <p:cNvPr id="11" name="TextBox 10">
@@ -15345,7 +15884,7 @@
             </p:txBody>
           </p:sp>
         </mc:Choice>
-        <mc:Fallback>
+        <mc:Fallback xmlns="">
           <p:sp>
             <p:nvSpPr>
               <p:cNvPr id="11" name="TextBox 10">
@@ -15475,13 +16014,13 @@
   <p:clrMapOvr>
     <a:masterClrMapping/>
   </p:clrMapOvr>
-  <mc:AlternateContent xmlns:mc="http://schemas.openxmlformats.org/markup-compatibility/2006">
-    <mc:Choice xmlns:p159="http://schemas.microsoft.com/office/powerpoint/2015/09/main" Requires="p159">
+  <mc:AlternateContent xmlns:mc="http://schemas.openxmlformats.org/markup-compatibility/2006" xmlns:p159="http://schemas.microsoft.com/office/powerpoint/2015/09/main">
+    <mc:Choice Requires="p159">
       <p:transition xmlns:p14="http://schemas.microsoft.com/office/powerpoint/2010/main" spd="slow" p14:dur="2000">
         <p159:morph option="byObject"/>
       </p:transition>
     </mc:Choice>
-    <mc:Fallback>
+    <mc:Fallback xmlns="">
       <p:transition spd="slow">
         <p:fade/>
       </p:transition>
@@ -15647,8 +16186,8 @@
           <a:chExt cx="0" cy="0"/>
         </a:xfrm>
       </p:grpSpPr>
-      <mc:AlternateContent xmlns:mc="http://schemas.openxmlformats.org/markup-compatibility/2006">
-        <mc:Choice xmlns:a14="http://schemas.microsoft.com/office/drawing/2010/main" Requires="a14">
+      <mc:AlternateContent xmlns:mc="http://schemas.openxmlformats.org/markup-compatibility/2006" xmlns:a14="http://schemas.microsoft.com/office/drawing/2010/main">
+        <mc:Choice Requires="a14">
           <p:sp>
             <p:nvSpPr>
               <p:cNvPr id="3" name="Content Placeholder 2">
@@ -15709,6 +16248,7 @@
                 </a:r>
               </a:p>
               <a:p>
+                <a:pPr/>
                 <a14:m>
                   <m:oMathPara xmlns:m="http://schemas.openxmlformats.org/officeDocument/2006/math">
                     <m:oMathParaPr>
@@ -16585,7 +17125,7 @@
             </p:txBody>
           </p:sp>
         </mc:Choice>
-        <mc:Fallback>
+        <mc:Fallback xmlns="">
           <p:sp>
             <p:nvSpPr>
               <p:cNvPr id="3" name="Content Placeholder 2">
@@ -16717,8 +17257,8 @@
           <a:chExt cx="0" cy="0"/>
         </a:xfrm>
       </p:grpSpPr>
-      <mc:AlternateContent xmlns:mc="http://schemas.openxmlformats.org/markup-compatibility/2006">
-        <mc:Choice xmlns:a14="http://schemas.microsoft.com/office/drawing/2010/main" Requires="a14">
+      <mc:AlternateContent xmlns:mc="http://schemas.openxmlformats.org/markup-compatibility/2006" xmlns:a14="http://schemas.microsoft.com/office/drawing/2010/main">
+        <mc:Choice Requires="a14">
           <p:sp>
             <p:nvSpPr>
               <p:cNvPr id="3" name="Content Placeholder 2">
@@ -17595,7 +18135,6 @@
                 <a:endParaRPr lang="en-US" dirty="0"/>
               </a:p>
               <a:p>
-                <a:pPr/>
                 <a:r>
                   <a:rPr lang="en-US" dirty="0"/>
                   <a:t>The derivation we found before works with any loss function.</a:t>
@@ -17610,7 +18149,7 @@
             </p:txBody>
           </p:sp>
         </mc:Choice>
-        <mc:Fallback>
+        <mc:Fallback xmlns="">
           <p:sp>
             <p:nvSpPr>
               <p:cNvPr id="3" name="Content Placeholder 2">
@@ -17770,8 +18309,8 @@
           </a:p>
         </p:txBody>
       </p:sp>
-      <mc:AlternateContent xmlns:mc="http://schemas.openxmlformats.org/markup-compatibility/2006">
-        <mc:Choice xmlns:a14="http://schemas.microsoft.com/office/drawing/2010/main" Requires="a14">
+      <mc:AlternateContent xmlns:mc="http://schemas.openxmlformats.org/markup-compatibility/2006" xmlns:a14="http://schemas.microsoft.com/office/drawing/2010/main">
+        <mc:Choice Requires="a14">
           <p:sp>
             <p:nvSpPr>
               <p:cNvPr id="3" name="Content Placeholder 2">
@@ -17837,6 +18376,7 @@
                 </a:r>
               </a:p>
               <a:p>
+                <a:pPr/>
                 <a14:m>
                   <m:oMathPara xmlns:m="http://schemas.openxmlformats.org/officeDocument/2006/math">
                     <m:oMathParaPr>
@@ -18038,6 +18578,7 @@
                 </a:r>
               </a:p>
               <a:p>
+                <a:pPr/>
                 <a14:m>
                   <m:oMathPara xmlns:m="http://schemas.openxmlformats.org/officeDocument/2006/math">
                     <m:oMathParaPr>
@@ -18291,6 +18832,7 @@
                 <a:endParaRPr lang="en-US" sz="2600" dirty="0"/>
               </a:p>
               <a:p>
+                <a:pPr/>
                 <a14:m>
                   <m:oMathPara xmlns:m="http://schemas.openxmlformats.org/officeDocument/2006/math">
                     <m:oMathParaPr>
@@ -18566,7 +19108,7 @@
             </p:txBody>
           </p:sp>
         </mc:Choice>
-        <mc:Fallback>
+        <mc:Fallback xmlns="">
           <p:sp>
             <p:nvSpPr>
               <p:cNvPr id="3" name="Content Placeholder 2">
@@ -20010,8 +20552,8 @@
           </a:p>
         </p:txBody>
       </p:sp>
-      <mc:AlternateContent xmlns:mc="http://schemas.openxmlformats.org/markup-compatibility/2006">
-        <mc:Choice xmlns:a14="http://schemas.microsoft.com/office/drawing/2010/main" Requires="a14">
+      <mc:AlternateContent xmlns:mc="http://schemas.openxmlformats.org/markup-compatibility/2006" xmlns:a14="http://schemas.microsoft.com/office/drawing/2010/main">
+        <mc:Choice Requires="a14">
           <p:sp>
             <p:nvSpPr>
               <p:cNvPr id="3" name="Content Placeholder 2">
@@ -20357,7 +20899,7 @@
             </p:txBody>
           </p:sp>
         </mc:Choice>
-        <mc:Fallback>
+        <mc:Fallback xmlns="">
           <p:sp>
             <p:nvSpPr>
               <p:cNvPr id="3" name="Content Placeholder 2">
@@ -20467,7 +21009,7 @@
                   </a:schemeClr>
                 </a:solidFill>
               </a:rPr>
-              <a:t>Question: why don’t we prune?</a:t>
+              <a:t>Question: why don’t we need to prune?</a:t>
             </a:r>
           </a:p>
           <a:p>
@@ -21031,8 +21573,8 @@
           </a:p>
         </p:txBody>
       </p:sp>
-      <mc:AlternateContent xmlns:mc="http://schemas.openxmlformats.org/markup-compatibility/2006">
-        <mc:Choice xmlns:a14="http://schemas.microsoft.com/office/drawing/2010/main" Requires="a14">
+      <mc:AlternateContent xmlns:mc="http://schemas.openxmlformats.org/markup-compatibility/2006" xmlns:a14="http://schemas.microsoft.com/office/drawing/2010/main">
+        <mc:Choice Requires="a14">
           <p:sp>
             <p:nvSpPr>
               <p:cNvPr id="3" name="Content Placeholder 2">
@@ -21060,6 +21602,7 @@
                 </a:r>
               </a:p>
               <a:p>
+                <a:pPr/>
                 <a14:m>
                   <m:oMathPara xmlns:m="http://schemas.openxmlformats.org/officeDocument/2006/math">
                     <m:oMathParaPr>
@@ -21302,6 +21845,7 @@
                 </a:r>
               </a:p>
               <a:p>
+                <a:pPr/>
                 <a14:m>
                   <m:oMathPara xmlns:m="http://schemas.openxmlformats.org/officeDocument/2006/math">
                     <m:oMathParaPr>
@@ -21852,7 +22396,7 @@
             </p:txBody>
           </p:sp>
         </mc:Choice>
-        <mc:Fallback>
+        <mc:Fallback xmlns="">
           <p:sp>
             <p:nvSpPr>
               <p:cNvPr id="3" name="Content Placeholder 2">
@@ -21976,8 +22520,8 @@
           </a:p>
         </p:txBody>
       </p:sp>
-      <mc:AlternateContent xmlns:mc="http://schemas.openxmlformats.org/markup-compatibility/2006">
-        <mc:Choice xmlns:a14="http://schemas.microsoft.com/office/drawing/2010/main" Requires="a14">
+      <mc:AlternateContent xmlns:mc="http://schemas.openxmlformats.org/markup-compatibility/2006" xmlns:a14="http://schemas.microsoft.com/office/drawing/2010/main">
+        <mc:Choice Requires="a14">
           <p:sp>
             <p:nvSpPr>
               <p:cNvPr id="3" name="Content Placeholder 2">
@@ -22010,6 +22554,7 @@
                 </a:r>
               </a:p>
               <a:p>
+                <a:pPr/>
                 <a14:m>
                   <m:oMathPara xmlns:m="http://schemas.openxmlformats.org/officeDocument/2006/math">
                     <m:oMathParaPr>
@@ -22159,7 +22704,7 @@
             </p:txBody>
           </p:sp>
         </mc:Choice>
-        <mc:Fallback>
+        <mc:Fallback xmlns="">
           <p:sp>
             <p:nvSpPr>
               <p:cNvPr id="3" name="Content Placeholder 2">
@@ -22685,8 +23230,8 @@
           <a:chExt cx="0" cy="0"/>
         </a:xfrm>
       </p:grpSpPr>
-      <mc:AlternateContent xmlns:mc="http://schemas.openxmlformats.org/markup-compatibility/2006">
-        <mc:Choice xmlns:a14="http://schemas.microsoft.com/office/drawing/2010/main" Requires="a14">
+      <mc:AlternateContent xmlns:mc="http://schemas.openxmlformats.org/markup-compatibility/2006" xmlns:a14="http://schemas.microsoft.com/office/drawing/2010/main">
+        <mc:Choice Requires="a14">
           <p:sp>
             <p:nvSpPr>
               <p:cNvPr id="3" name="Content Placeholder 2">
@@ -23099,7 +23644,7 @@
             </p:txBody>
           </p:sp>
         </mc:Choice>
-        <mc:Fallback>
+        <mc:Fallback xmlns="">
           <p:sp>
             <p:nvSpPr>
               <p:cNvPr id="3" name="Content Placeholder 2">
@@ -23860,8 +24405,8 @@
           <a:chExt cx="0" cy="0"/>
         </a:xfrm>
       </p:grpSpPr>
-      <mc:AlternateContent xmlns:mc="http://schemas.openxmlformats.org/markup-compatibility/2006">
-        <mc:Choice xmlns:a14="http://schemas.microsoft.com/office/drawing/2010/main" Requires="a14">
+      <mc:AlternateContent xmlns:mc="http://schemas.openxmlformats.org/markup-compatibility/2006" xmlns:a14="http://schemas.microsoft.com/office/drawing/2010/main">
+        <mc:Choice Requires="a14">
           <p:sp>
             <p:nvSpPr>
               <p:cNvPr id="3" name="Content Placeholder 2">
@@ -23893,6 +24438,7 @@
                 </a:r>
               </a:p>
               <a:p>
+                <a:pPr/>
                 <a14:m>
                   <m:oMathPara xmlns:m="http://schemas.openxmlformats.org/officeDocument/2006/math">
                     <m:oMathParaPr>
@@ -24240,6 +24786,7 @@
                 </a:r>
               </a:p>
               <a:p>
+                <a:pPr/>
                 <a14:m>
                   <m:oMathPara xmlns:m="http://schemas.openxmlformats.org/officeDocument/2006/math">
                     <m:oMathParaPr>
@@ -24781,6 +25328,7 @@
                 </a:r>
               </a:p>
               <a:p>
+                <a:pPr/>
                 <a14:m>
                   <m:oMathPara xmlns:m="http://schemas.openxmlformats.org/officeDocument/2006/math">
                     <m:oMathParaPr>
@@ -25185,7 +25733,7 @@
             </p:txBody>
           </p:sp>
         </mc:Choice>
-        <mc:Fallback>
+        <mc:Fallback xmlns="">
           <p:sp>
             <p:nvSpPr>
               <p:cNvPr id="3" name="Content Placeholder 2">
@@ -25967,8 +26515,8 @@
           </a:p>
         </p:txBody>
       </p:sp>
-      <mc:AlternateContent xmlns:mc="http://schemas.openxmlformats.org/markup-compatibility/2006">
-        <mc:Choice xmlns:a14="http://schemas.microsoft.com/office/drawing/2010/main" Requires="a14">
+      <mc:AlternateContent xmlns:mc="http://schemas.openxmlformats.org/markup-compatibility/2006" xmlns:a14="http://schemas.microsoft.com/office/drawing/2010/main">
+        <mc:Choice Requires="a14">
           <p:sp>
             <p:nvSpPr>
               <p:cNvPr id="3" name="Content Placeholder 2">
@@ -26140,7 +26688,7 @@
             </p:txBody>
           </p:sp>
         </mc:Choice>
-        <mc:Fallback>
+        <mc:Fallback xmlns="">
           <p:sp>
             <p:nvSpPr>
               <p:cNvPr id="3" name="Content Placeholder 2">
@@ -26476,8 +27024,8 @@
           </a:p>
         </p:txBody>
       </p:sp>
-      <mc:AlternateContent xmlns:mc="http://schemas.openxmlformats.org/markup-compatibility/2006">
-        <mc:Choice xmlns:a14="http://schemas.microsoft.com/office/drawing/2010/main" Requires="a14">
+      <mc:AlternateContent xmlns:mc="http://schemas.openxmlformats.org/markup-compatibility/2006" xmlns:a14="http://schemas.microsoft.com/office/drawing/2010/main">
+        <mc:Choice Requires="a14">
           <p:sp>
             <p:nvSpPr>
               <p:cNvPr id="3" name="Content Placeholder 2">
@@ -26659,7 +27207,7 @@
             </p:txBody>
           </p:sp>
         </mc:Choice>
-        <mc:Fallback>
+        <mc:Fallback xmlns="">
           <p:sp>
             <p:nvSpPr>
               <p:cNvPr id="3" name="Content Placeholder 2">
@@ -27343,8 +27891,8 @@
           </a:p>
         </p:txBody>
       </p:sp>
-      <mc:AlternateContent xmlns:mc="http://schemas.openxmlformats.org/markup-compatibility/2006">
-        <mc:Choice xmlns:a14="http://schemas.microsoft.com/office/drawing/2010/main" Requires="a14">
+      <mc:AlternateContent xmlns:mc="http://schemas.openxmlformats.org/markup-compatibility/2006" xmlns:a14="http://schemas.microsoft.com/office/drawing/2010/main">
+        <mc:Choice Requires="a14">
           <p:sp>
             <p:nvSpPr>
               <p:cNvPr id="3" name="Content Placeholder 2">
@@ -27547,7 +28095,7 @@
             </p:txBody>
           </p:sp>
         </mc:Choice>
-        <mc:Fallback>
+        <mc:Fallback xmlns="">
           <p:sp>
             <p:nvSpPr>
               <p:cNvPr id="3" name="Content Placeholder 2">
@@ -28899,150 +29447,6 @@
           <p:cNvPr id="2" name="Title 1">
             <a:extLst>
               <a:ext uri="{FF2B5EF4-FFF2-40B4-BE49-F238E27FC236}">
-                <a16:creationId xmlns:a16="http://schemas.microsoft.com/office/drawing/2014/main" id="{96263CF8-BB0D-459C-A751-80F7EBB937C0}"/>
-              </a:ext>
-            </a:extLst>
-          </p:cNvPr>
-          <p:cNvSpPr>
-            <a:spLocks noGrp="1"/>
-          </p:cNvSpPr>
-          <p:nvPr>
-            <p:ph type="title"/>
-          </p:nvPr>
-        </p:nvSpPr>
-        <p:spPr/>
-        <p:txBody>
-          <a:bodyPr/>
-          <a:lstStyle/>
-          <a:p>
-            <a:r>
-              <a:rPr lang="en-US" dirty="0"/>
-              <a:t>Practical Examples</a:t>
-            </a:r>
-          </a:p>
-        </p:txBody>
-      </p:sp>
-      <p:sp>
-        <p:nvSpPr>
-          <p:cNvPr id="3" name="Content Placeholder 2">
-            <a:extLst>
-              <a:ext uri="{FF2B5EF4-FFF2-40B4-BE49-F238E27FC236}">
-                <a16:creationId xmlns:a16="http://schemas.microsoft.com/office/drawing/2014/main" id="{F6A437E1-19D7-439C-87C0-87682630B34C}"/>
-              </a:ext>
-            </a:extLst>
-          </p:cNvPr>
-          <p:cNvSpPr>
-            <a:spLocks noGrp="1"/>
-          </p:cNvSpPr>
-          <p:nvPr>
-            <p:ph idx="1"/>
-          </p:nvPr>
-        </p:nvSpPr>
-        <p:spPr>
-          <a:xfrm>
-            <a:off x="833415" y="1177758"/>
-            <a:ext cx="10327008" cy="4771629"/>
-          </a:xfrm>
-        </p:spPr>
-        <p:txBody>
-          <a:bodyPr/>
-          <a:lstStyle/>
-          <a:p>
-            <a:pPr algn="ctr"/>
-            <a:r>
-              <a:rPr lang="en-US" dirty="0"/>
-              <a:t>Let’s see these techniques at play with some examples.</a:t>
-            </a:r>
-          </a:p>
-          <a:p>
-            <a:pPr algn="ctr"/>
-            <a:endParaRPr lang="en-US" dirty="0"/>
-          </a:p>
-          <a:p>
-            <a:pPr algn="ctr"/>
-            <a:endParaRPr lang="en-US" dirty="0"/>
-          </a:p>
-          <a:p>
-            <a:pPr algn="ctr"/>
-            <a:endParaRPr lang="en-US" dirty="0"/>
-          </a:p>
-          <a:p>
-            <a:pPr algn="ctr"/>
-            <a:r>
-              <a:rPr lang="en-US" sz="4000" dirty="0">
-                <a:solidFill>
-                  <a:srgbClr val="C00000"/>
-                </a:solidFill>
-              </a:rPr>
-              <a:t>Notebook time!</a:t>
-            </a:r>
-          </a:p>
-        </p:txBody>
-      </p:sp>
-      <p:sp>
-        <p:nvSpPr>
-          <p:cNvPr id="4" name="Slide Number Placeholder 3">
-            <a:extLst>
-              <a:ext uri="{FF2B5EF4-FFF2-40B4-BE49-F238E27FC236}">
-                <a16:creationId xmlns:a16="http://schemas.microsoft.com/office/drawing/2014/main" id="{DB7BD44A-8BDC-47CE-9242-E258163819DA}"/>
-              </a:ext>
-            </a:extLst>
-          </p:cNvPr>
-          <p:cNvSpPr>
-            <a:spLocks noGrp="1"/>
-          </p:cNvSpPr>
-          <p:nvPr>
-            <p:ph type="sldNum" sz="quarter" idx="12"/>
-          </p:nvPr>
-        </p:nvSpPr>
-        <p:spPr/>
-        <p:txBody>
-          <a:bodyPr/>
-          <a:lstStyle/>
-          <a:p>
-            <a:fld id="{AD29F1E6-0A42-6342-8A19-FA364A33AB30}" type="slidenum">
-              <a:rPr lang="en-US" smtClean="0"/>
-              <a:t>58</a:t>
-            </a:fld>
-            <a:endParaRPr lang="en-US"/>
-          </a:p>
-        </p:txBody>
-      </p:sp>
-    </p:spTree>
-    <p:extLst>
-      <p:ext uri="{BB962C8B-B14F-4D97-AF65-F5344CB8AC3E}">
-        <p14:creationId xmlns:p14="http://schemas.microsoft.com/office/powerpoint/2010/main" val="2856959843"/>
-      </p:ext>
-    </p:extLst>
-  </p:cSld>
-  <p:clrMapOvr>
-    <a:masterClrMapping/>
-  </p:clrMapOvr>
-</p:sld>
-</file>
-
-<file path=ppt/slides/slide59.xml><?xml version="1.0" encoding="utf-8"?>
-<p:sld xmlns:a="http://schemas.openxmlformats.org/drawingml/2006/main" xmlns:r="http://schemas.openxmlformats.org/officeDocument/2006/relationships" xmlns:p="http://schemas.openxmlformats.org/presentationml/2006/main">
-  <p:cSld>
-    <p:spTree>
-      <p:nvGrpSpPr>
-        <p:cNvPr id="1" name=""/>
-        <p:cNvGrpSpPr/>
-        <p:nvPr/>
-      </p:nvGrpSpPr>
-      <p:grpSpPr>
-        <a:xfrm>
-          <a:off x="0" y="0"/>
-          <a:ext cx="0" cy="0"/>
-          <a:chOff x="0" y="0"/>
-          <a:chExt cx="0" cy="0"/>
-        </a:xfrm>
-      </p:grpSpPr>
-      <p:sp>
-        <p:nvSpPr>
-          <p:cNvPr id="2" name="Title 1">
-            <a:extLst>
-              <a:ext uri="{FF2B5EF4-FFF2-40B4-BE49-F238E27FC236}">
                 <a16:creationId xmlns:a16="http://schemas.microsoft.com/office/drawing/2014/main" id="{A42796DB-014C-4E6B-84DC-7289712AA89F}"/>
               </a:ext>
             </a:extLst>
@@ -29108,6 +29512,7 @@
                 </a:r>
               </a:p>
               <a:p>
+                <a:pPr/>
                 <a14:m>
                   <m:oMathPara xmlns:m="http://schemas.openxmlformats.org/officeDocument/2006/math">
                     <m:oMathParaPr>
@@ -29308,6 +29713,7 @@
                 </a:r>
               </a:p>
               <a:p>
+                <a:pPr/>
                 <a14:m>
                   <m:oMathPara xmlns:m="http://schemas.openxmlformats.org/officeDocument/2006/math">
                     <m:oMathParaPr>
@@ -29404,6 +29810,21 @@
                 <a:endParaRPr lang="en-US" dirty="0"/>
               </a:p>
               <a:p>
+                <a:pPr/>
+                <a:r>
+                  <a:rPr lang="en-US" dirty="0"/>
+                  <a:t>And </a:t>
+                </a:r>
+                <a:r>
+                  <a:rPr lang="en-US" dirty="0" err="1"/>
+                  <a:t>mr</a:t>
+                </a:r>
+                <a:r>
+                  <a:rPr lang="en-US" dirty="0"/>
+                  <a:t>(X,Y) is the margin function for random forests.</a:t>
+                </a:r>
+              </a:p>
+              <a:p>
                 <a:r>
                   <a:rPr lang="en-US" dirty="0"/>
                   <a:t>Two main components involved in RF generalization error:</a:t>
@@ -29457,7 +29878,7 @@
               <a:blipFill>
                 <a:blip r:embed="rId2"/>
                 <a:stretch>
-                  <a:fillRect l="-1240" t="-1146"/>
+                  <a:fillRect l="-1240" t="-1146" b="-2675"/>
                 </a:stretch>
               </a:blipFill>
             </p:spPr>
@@ -29499,7 +29920,7 @@
           <a:p>
             <a:fld id="{AD29F1E6-0A42-6342-8A19-FA364A33AB30}" type="slidenum">
               <a:rPr lang="en-US" smtClean="0"/>
-              <a:t>59</a:t>
+              <a:t>58</a:t>
             </a:fld>
             <a:endParaRPr lang="en-US"/>
           </a:p>
@@ -30094,8 +30515,8 @@
           </a:p>
         </p:txBody>
       </p:sp>
-      <mc:AlternateContent xmlns:mc="http://schemas.openxmlformats.org/markup-compatibility/2006">
-        <mc:Choice xmlns:a14="http://schemas.microsoft.com/office/drawing/2010/main" Requires="a14">
+      <mc:AlternateContent xmlns:mc="http://schemas.openxmlformats.org/markup-compatibility/2006" xmlns:a14="http://schemas.microsoft.com/office/drawing/2010/main">
+        <mc:Choice Requires="a14">
           <p:sp>
             <p:nvSpPr>
               <p:cNvPr id="14" name="TextBox 13">
@@ -30315,7 +30736,7 @@
             </p:txBody>
           </p:sp>
         </mc:Choice>
-        <mc:Fallback>
+        <mc:Fallback xmlns="">
           <p:sp>
             <p:nvSpPr>
               <p:cNvPr id="14" name="TextBox 13">
@@ -30679,8 +31100,8 @@
           </a:p>
         </p:txBody>
       </p:sp>
-      <mc:AlternateContent xmlns:mc="http://schemas.openxmlformats.org/markup-compatibility/2006">
-        <mc:Choice xmlns:a14="http://schemas.microsoft.com/office/drawing/2010/main" Requires="a14">
+      <mc:AlternateContent xmlns:mc="http://schemas.openxmlformats.org/markup-compatibility/2006" xmlns:a14="http://schemas.microsoft.com/office/drawing/2010/main">
+        <mc:Choice Requires="a14">
           <p:sp>
             <p:nvSpPr>
               <p:cNvPr id="29" name="TextBox 28">
@@ -30830,7 +31251,7 @@
             </p:txBody>
           </p:sp>
         </mc:Choice>
-        <mc:Fallback>
+        <mc:Fallback xmlns="">
           <p:sp>
             <p:nvSpPr>
               <p:cNvPr id="29" name="TextBox 28">
@@ -31191,115 +31612,6 @@
     <p:extLst>
       <p:ext uri="{BB962C8B-B14F-4D97-AF65-F5344CB8AC3E}">
         <p14:creationId xmlns:p14="http://schemas.microsoft.com/office/powerpoint/2010/main" val="1032619450"/>
-      </p:ext>
-    </p:extLst>
-  </p:cSld>
-  <p:clrMapOvr>
-    <a:masterClrMapping/>
-  </p:clrMapOvr>
-</p:sld>
-</file>
-
-<file path=ppt/slides/slide60.xml><?xml version="1.0" encoding="utf-8"?>
-<p:sld xmlns:a="http://schemas.openxmlformats.org/drawingml/2006/main" xmlns:r="http://schemas.openxmlformats.org/officeDocument/2006/relationships" xmlns:p="http://schemas.openxmlformats.org/presentationml/2006/main">
-  <p:cSld>
-    <p:spTree>
-      <p:nvGrpSpPr>
-        <p:cNvPr id="1" name=""/>
-        <p:cNvGrpSpPr/>
-        <p:nvPr/>
-      </p:nvGrpSpPr>
-      <p:grpSpPr>
-        <a:xfrm>
-          <a:off x="0" y="0"/>
-          <a:ext cx="0" cy="0"/>
-          <a:chOff x="0" y="0"/>
-          <a:chExt cx="0" cy="0"/>
-        </a:xfrm>
-      </p:grpSpPr>
-      <p:sp>
-        <p:nvSpPr>
-          <p:cNvPr id="2" name="Title 1">
-            <a:extLst>
-              <a:ext uri="{FF2B5EF4-FFF2-40B4-BE49-F238E27FC236}">
-                <a16:creationId xmlns:a16="http://schemas.microsoft.com/office/drawing/2014/main" id="{72753623-B9B7-479F-83AA-2C509FDFF9F3}"/>
-              </a:ext>
-            </a:extLst>
-          </p:cNvPr>
-          <p:cNvSpPr>
-            <a:spLocks noGrp="1"/>
-          </p:cNvSpPr>
-          <p:nvPr>
-            <p:ph type="title"/>
-          </p:nvPr>
-        </p:nvSpPr>
-        <p:spPr/>
-        <p:txBody>
-          <a:bodyPr/>
-          <a:lstStyle/>
-          <a:p>
-            <a:endParaRPr lang="en-US"/>
-          </a:p>
-        </p:txBody>
-      </p:sp>
-      <p:sp>
-        <p:nvSpPr>
-          <p:cNvPr id="3" name="Content Placeholder 2">
-            <a:extLst>
-              <a:ext uri="{FF2B5EF4-FFF2-40B4-BE49-F238E27FC236}">
-                <a16:creationId xmlns:a16="http://schemas.microsoft.com/office/drawing/2014/main" id="{B1F94D2E-B83A-4B0F-9A34-90D2CD047CC7}"/>
-              </a:ext>
-            </a:extLst>
-          </p:cNvPr>
-          <p:cNvSpPr>
-            <a:spLocks noGrp="1"/>
-          </p:cNvSpPr>
-          <p:nvPr>
-            <p:ph idx="1"/>
-          </p:nvPr>
-        </p:nvSpPr>
-        <p:spPr/>
-        <p:txBody>
-          <a:bodyPr/>
-          <a:lstStyle/>
-          <a:p>
-            <a:endParaRPr lang="en-US" dirty="0"/>
-          </a:p>
-        </p:txBody>
-      </p:sp>
-      <p:sp>
-        <p:nvSpPr>
-          <p:cNvPr id="4" name="Slide Number Placeholder 3">
-            <a:extLst>
-              <a:ext uri="{FF2B5EF4-FFF2-40B4-BE49-F238E27FC236}">
-                <a16:creationId xmlns:a16="http://schemas.microsoft.com/office/drawing/2014/main" id="{029D3B7B-8DBF-4E58-A061-695A75855074}"/>
-              </a:ext>
-            </a:extLst>
-          </p:cNvPr>
-          <p:cNvSpPr>
-            <a:spLocks noGrp="1"/>
-          </p:cNvSpPr>
-          <p:nvPr>
-            <p:ph type="sldNum" sz="quarter" idx="12"/>
-          </p:nvPr>
-        </p:nvSpPr>
-        <p:spPr/>
-        <p:txBody>
-          <a:bodyPr/>
-          <a:lstStyle/>
-          <a:p>
-            <a:fld id="{AD29F1E6-0A42-6342-8A19-FA364A33AB30}" type="slidenum">
-              <a:rPr lang="en-US" smtClean="0"/>
-              <a:t>60</a:t>
-            </a:fld>
-            <a:endParaRPr lang="en-US"/>
-          </a:p>
-        </p:txBody>
-      </p:sp>
-    </p:spTree>
-    <p:extLst>
-      <p:ext uri="{BB962C8B-B14F-4D97-AF65-F5344CB8AC3E}">
-        <p14:creationId xmlns:p14="http://schemas.microsoft.com/office/powerpoint/2010/main" val="375205074"/>
       </p:ext>
     </p:extLst>
   </p:cSld>
